--- a/lezioni/CV 11 Applicazione del PLV al metodo delle forze.pptx
+++ b/lezioni/CV 11 Applicazione del PLV al metodo delle forze.pptx
@@ -111,7 +111,41 @@
       </a:defRPr>
     </a:lvl9pPr>
   </p:defaultTextStyle>
+  <p:extLst>
+    <p:ext uri="{EFAFB233-063F-42B5-8137-9DF3F51BA10A}">
+      <p15:sldGuideLst xmlns:p15="http://schemas.microsoft.com/office/powerpoint/2012/main"/>
+    </p:ext>
+  </p:extLst>
 </p:presentation>
+</file>
+
+<file path=ppt/changesInfos/changesInfo1.xml><?xml version="1.0" encoding="utf-8"?>
+<pc:chgInfo xmlns:a="http://schemas.openxmlformats.org/drawingml/2006/main" xmlns:r="http://schemas.openxmlformats.org/officeDocument/2006/relationships" xmlns:ac="http://schemas.microsoft.com/office/drawing/2013/main/command" xmlns:pc="http://schemas.microsoft.com/office/powerpoint/2013/main/command">
+  <pc:docChgLst>
+    <pc:chgData name="Giuseppe Tomassetti" userId="602e5fa9-ac8c-4882-a6c6-5d2537fdee56" providerId="ADAL" clId="{8C016E9D-4043-AE4C-855C-7EAA71B98D6D}"/>
+    <pc:docChg chg="modSld">
+      <pc:chgData name="Giuseppe Tomassetti" userId="602e5fa9-ac8c-4882-a6c6-5d2537fdee56" providerId="ADAL" clId="{8C016E9D-4043-AE4C-855C-7EAA71B98D6D}" dt="2023-12-18T07:21:33.478" v="0" actId="1076"/>
+      <pc:docMkLst>
+        <pc:docMk/>
+      </pc:docMkLst>
+      <pc:sldChg chg="modSp mod">
+        <pc:chgData name="Giuseppe Tomassetti" userId="602e5fa9-ac8c-4882-a6c6-5d2537fdee56" providerId="ADAL" clId="{8C016E9D-4043-AE4C-855C-7EAA71B98D6D}" dt="2023-12-18T07:21:33.478" v="0" actId="1076"/>
+        <pc:sldMkLst>
+          <pc:docMk/>
+          <pc:sldMk cId="2865808664" sldId="263"/>
+        </pc:sldMkLst>
+        <pc:picChg chg="mod">
+          <ac:chgData name="Giuseppe Tomassetti" userId="602e5fa9-ac8c-4882-a6c6-5d2537fdee56" providerId="ADAL" clId="{8C016E9D-4043-AE4C-855C-7EAA71B98D6D}" dt="2023-12-18T07:21:33.478" v="0" actId="1076"/>
+          <ac:picMkLst>
+            <pc:docMk/>
+            <pc:sldMk cId="2865808664" sldId="263"/>
+            <ac:picMk id="14" creationId="{253A1C06-5AEA-3A0B-8715-91DF8D3B4852}"/>
+          </ac:picMkLst>
+        </pc:picChg>
+      </pc:sldChg>
+    </pc:docChg>
+  </pc:docChgLst>
+</pc:chgInfo>
 </file>
 
 <file path=ppt/slideLayouts/slideLayout1.xml><?xml version="1.0" encoding="utf-8"?>
@@ -263,7 +297,7 @@
           <a:p>
             <a:fld id="{1A62200F-C796-0445-AD8E-733D756C4A1A}" type="datetimeFigureOut">
               <a:rPr lang="en-IT" smtClean="0"/>
-              <a:t>16/12/23</a:t>
+              <a:t>18/12/23</a:t>
             </a:fld>
             <a:endParaRPr lang="en-IT"/>
           </a:p>
@@ -463,7 +497,7 @@
           <a:p>
             <a:fld id="{1A62200F-C796-0445-AD8E-733D756C4A1A}" type="datetimeFigureOut">
               <a:rPr lang="en-IT" smtClean="0"/>
-              <a:t>16/12/23</a:t>
+              <a:t>18/12/23</a:t>
             </a:fld>
             <a:endParaRPr lang="en-IT"/>
           </a:p>
@@ -673,7 +707,7 @@
           <a:p>
             <a:fld id="{1A62200F-C796-0445-AD8E-733D756C4A1A}" type="datetimeFigureOut">
               <a:rPr lang="en-IT" smtClean="0"/>
-              <a:t>16/12/23</a:t>
+              <a:t>18/12/23</a:t>
             </a:fld>
             <a:endParaRPr lang="en-IT"/>
           </a:p>
@@ -873,7 +907,7 @@
           <a:p>
             <a:fld id="{1A62200F-C796-0445-AD8E-733D756C4A1A}" type="datetimeFigureOut">
               <a:rPr lang="en-IT" smtClean="0"/>
-              <a:t>16/12/23</a:t>
+              <a:t>18/12/23</a:t>
             </a:fld>
             <a:endParaRPr lang="en-IT"/>
           </a:p>
@@ -1149,7 +1183,7 @@
           <a:p>
             <a:fld id="{1A62200F-C796-0445-AD8E-733D756C4A1A}" type="datetimeFigureOut">
               <a:rPr lang="en-IT" smtClean="0"/>
-              <a:t>16/12/23</a:t>
+              <a:t>18/12/23</a:t>
             </a:fld>
             <a:endParaRPr lang="en-IT"/>
           </a:p>
@@ -1417,7 +1451,7 @@
           <a:p>
             <a:fld id="{1A62200F-C796-0445-AD8E-733D756C4A1A}" type="datetimeFigureOut">
               <a:rPr lang="en-IT" smtClean="0"/>
-              <a:t>16/12/23</a:t>
+              <a:t>18/12/23</a:t>
             </a:fld>
             <a:endParaRPr lang="en-IT"/>
           </a:p>
@@ -1832,7 +1866,7 @@
           <a:p>
             <a:fld id="{1A62200F-C796-0445-AD8E-733D756C4A1A}" type="datetimeFigureOut">
               <a:rPr lang="en-IT" smtClean="0"/>
-              <a:t>16/12/23</a:t>
+              <a:t>18/12/23</a:t>
             </a:fld>
             <a:endParaRPr lang="en-IT"/>
           </a:p>
@@ -1974,7 +2008,7 @@
           <a:p>
             <a:fld id="{1A62200F-C796-0445-AD8E-733D756C4A1A}" type="datetimeFigureOut">
               <a:rPr lang="en-IT" smtClean="0"/>
-              <a:t>16/12/23</a:t>
+              <a:t>18/12/23</a:t>
             </a:fld>
             <a:endParaRPr lang="en-IT"/>
           </a:p>
@@ -2087,7 +2121,7 @@
           <a:p>
             <a:fld id="{1A62200F-C796-0445-AD8E-733D756C4A1A}" type="datetimeFigureOut">
               <a:rPr lang="en-IT" smtClean="0"/>
-              <a:t>16/12/23</a:t>
+              <a:t>18/12/23</a:t>
             </a:fld>
             <a:endParaRPr lang="en-IT"/>
           </a:p>
@@ -2400,7 +2434,7 @@
           <a:p>
             <a:fld id="{1A62200F-C796-0445-AD8E-733D756C4A1A}" type="datetimeFigureOut">
               <a:rPr lang="en-IT" smtClean="0"/>
-              <a:t>16/12/23</a:t>
+              <a:t>18/12/23</a:t>
             </a:fld>
             <a:endParaRPr lang="en-IT"/>
           </a:p>
@@ -2689,7 +2723,7 @@
           <a:p>
             <a:fld id="{1A62200F-C796-0445-AD8E-733D756C4A1A}" type="datetimeFigureOut">
               <a:rPr lang="en-IT" smtClean="0"/>
-              <a:t>16/12/23</a:t>
+              <a:t>18/12/23</a:t>
             </a:fld>
             <a:endParaRPr lang="en-IT"/>
           </a:p>
@@ -2932,7 +2966,7 @@
           <a:p>
             <a:fld id="{1A62200F-C796-0445-AD8E-733D756C4A1A}" type="datetimeFigureOut">
               <a:rPr lang="en-IT" smtClean="0"/>
-              <a:t>16/12/23</a:t>
+              <a:t>18/12/23</a:t>
             </a:fld>
             <a:endParaRPr lang="en-IT"/>
           </a:p>
@@ -4058,7 +4092,7 @@
         </p:blipFill>
         <p:spPr>
           <a:xfrm>
-            <a:off x="9295258" y="0"/>
+            <a:off x="9322904" y="-110538"/>
             <a:ext cx="3006880" cy="3268041"/>
           </a:xfrm>
           <a:prstGeom prst="rect">
